--- a/SourceCode/ICPSystemAlert/ICPSystemAlert/bin/Debug/ICPresentationTemplate.pptx
+++ b/SourceCode/ICPSystemAlert/ICPSystemAlert/bin/Debug/ICPresentationTemplate.pptx
@@ -815,7 +815,7 @@
             </a:pPr>
             <a:fld id="{1F4822A6-C7A5-44D7-8821-5EABF635D97B}" type="datetime4">
               <a:rPr lang="en-US" smtClean="0"/>
-              <a:t>October 4, 2012</a:t>
+              <a:t>October 9, 2012</a:t>
             </a:fld>
             <a:endParaRPr lang="en-US"/>
           </a:p>
@@ -995,7 +995,7 @@
             </a:pPr>
             <a:fld id="{D4CB6172-824B-4CB0-BAC6-5AEF55E8765C}" type="datetime4">
               <a:rPr lang="en-US" smtClean="0"/>
-              <a:t>October 4, 2012</a:t>
+              <a:t>October 9, 2012</a:t>
             </a:fld>
             <a:endParaRPr lang="en-US"/>
           </a:p>
@@ -1147,7 +1147,7 @@
             </a:pPr>
             <a:fld id="{86A9B45F-E5B1-4402-9FF1-724381F44DFB}" type="datetime4">
               <a:rPr lang="en-US" smtClean="0"/>
-              <a:t>October 4, 2012</a:t>
+              <a:t>October 9, 2012</a:t>
             </a:fld>
             <a:endParaRPr lang="en-US"/>
           </a:p>
@@ -1526,7 +1526,7 @@
             </a:pPr>
             <a:fld id="{0A551E71-1E03-4AB6-A7D1-41670FBAE107}" type="datetime4">
               <a:rPr lang="en-US" smtClean="0"/>
-              <a:t>October 4, 2012</a:t>
+              <a:t>October 9, 2012</a:t>
             </a:fld>
             <a:endParaRPr lang="en-US"/>
           </a:p>
@@ -1804,7 +1804,7 @@
             </a:pPr>
             <a:fld id="{3F52BBDD-43E2-46DC-A90E-A4DB78218758}" type="datetime4">
               <a:rPr lang="en-US" smtClean="0"/>
-              <a:t>October 4, 2012</a:t>
+              <a:t>October 9, 2012</a:t>
             </a:fld>
             <a:endParaRPr lang="en-US"/>
           </a:p>
@@ -2124,7 +2124,7 @@
             </a:pPr>
             <a:fld id="{A2D1C72E-EDEA-45BB-889F-CDB42F6D9578}" type="datetime4">
               <a:rPr lang="en-US" smtClean="0"/>
-              <a:t>October 4, 2012</a:t>
+              <a:t>October 9, 2012</a:t>
             </a:fld>
             <a:endParaRPr lang="en-US"/>
           </a:p>
@@ -2690,7 +2690,7 @@
             </a:pPr>
             <a:fld id="{9B32EA31-93E0-4586-AFE1-7194AEC54BFD}" type="datetime4">
               <a:rPr lang="en-US" smtClean="0"/>
-              <a:t>October 4, 2012</a:t>
+              <a:t>October 9, 2012</a:t>
             </a:fld>
             <a:endParaRPr lang="en-US"/>
           </a:p>
@@ -2817,7 +2817,7 @@
             </a:pPr>
             <a:fld id="{8062399F-83F6-439F-8C6A-E46B9E57095B}" type="datetime4">
               <a:rPr lang="en-US" smtClean="0"/>
-              <a:t>October 4, 2012</a:t>
+              <a:t>October 9, 2012</a:t>
             </a:fld>
             <a:endParaRPr lang="en-US"/>
           </a:p>
@@ -3126,7 +3126,7 @@
             </a:pPr>
             <a:fld id="{222E3082-CEC2-4104-A63D-3C1FF16CAEA8}" type="datetime4">
               <a:rPr lang="en-US" smtClean="0"/>
-              <a:t>October 4, 2012</a:t>
+              <a:t>October 9, 2012</a:t>
             </a:fld>
             <a:endParaRPr lang="en-US"/>
           </a:p>
@@ -3380,7 +3380,7 @@
             </a:pPr>
             <a:fld id="{82FB4016-FDC3-41D6-8337-8B2F9C50907A}" type="datetime4">
               <a:rPr lang="en-US" smtClean="0"/>
-              <a:t>October 4, 2012</a:t>
+              <a:t>October 9, 2012</a:t>
             </a:fld>
             <a:endParaRPr lang="en-US" dirty="0"/>
           </a:p>
@@ -3609,7 +3609,7 @@
             </a:pPr>
             <a:fld id="{1015E7F2-8DEE-48C2-A3C4-2CDD3A7D8C68}" type="datetime4">
               <a:rPr lang="en-US" smtClean="0"/>
-              <a:t>October 4, 2012</a:t>
+              <a:t>October 9, 2012</a:t>
             </a:fld>
             <a:endParaRPr lang="en-US"/>
           </a:p>
@@ -3811,7 +3811,7 @@
             </a:pPr>
             <a:fld id="{6D55645B-8D24-49C3-AEA2-D4AD71AF9C46}" type="datetime4">
               <a:rPr lang="en-US" smtClean="0"/>
-              <a:t>October 4, 2012</a:t>
+              <a:t>October 9, 2012</a:t>
             </a:fld>
             <a:endParaRPr lang="en-US"/>
           </a:p>
@@ -4023,7 +4023,7 @@
             </a:pPr>
             <a:fld id="{D02B4747-D752-4F72-9B4F-8F5E4DA8051D}" type="datetime4">
               <a:rPr lang="en-US" smtClean="0"/>
-              <a:t>October 4, 2012</a:t>
+              <a:t>October 9, 2012</a:t>
             </a:fld>
             <a:endParaRPr lang="en-US"/>
           </a:p>
@@ -4274,7 +4274,7 @@
             </a:pPr>
             <a:fld id="{A05B7358-510B-4F04-9752-AE52EA0ADFFE}" type="datetime4">
               <a:rPr lang="en-US" smtClean="0"/>
-              <a:t>October 4, 2012</a:t>
+              <a:t>October 9, 2012</a:t>
             </a:fld>
             <a:endParaRPr lang="en-US"/>
           </a:p>
@@ -4562,7 +4562,7 @@
             </a:pPr>
             <a:fld id="{79392749-F90E-4469-ADC8-8B354CE8956B}" type="datetime4">
               <a:rPr lang="en-US" smtClean="0"/>
-              <a:t>October 4, 2012</a:t>
+              <a:t>October 9, 2012</a:t>
             </a:fld>
             <a:endParaRPr lang="en-US"/>
           </a:p>
@@ -4989,7 +4989,7 @@
             </a:pPr>
             <a:fld id="{F59E398C-EDE0-41A8-890E-00F4900FCBE8}" type="datetime4">
               <a:rPr lang="en-US" smtClean="0"/>
-              <a:t>October 4, 2012</a:t>
+              <a:t>October 9, 2012</a:t>
             </a:fld>
             <a:endParaRPr lang="en-US"/>
           </a:p>
@@ -5107,7 +5107,7 @@
             </a:pPr>
             <a:fld id="{A5AB7662-EDEC-4540-BF5C-48B3B34A8BB2}" type="datetime4">
               <a:rPr lang="en-US" smtClean="0"/>
-              <a:t>October 4, 2012</a:t>
+              <a:t>October 9, 2012</a:t>
             </a:fld>
             <a:endParaRPr lang="en-US"/>
           </a:p>
@@ -5384,7 +5384,7 @@
             </a:pPr>
             <a:fld id="{6B49991A-1422-4BF5-958A-B2E36BF27515}" type="datetime4">
               <a:rPr lang="en-US" smtClean="0"/>
-              <a:t>October 4, 2012</a:t>
+              <a:t>October 9, 2012</a:t>
             </a:fld>
             <a:endParaRPr lang="en-US"/>
           </a:p>
@@ -5638,7 +5638,7 @@
             </a:pPr>
             <a:fld id="{2EA41A95-0F18-4751-A33E-35034B88C83D}" type="datetime4">
               <a:rPr lang="en-US" smtClean="0"/>
-              <a:t>October 4, 2012</a:t>
+              <a:t>October 9, 2012</a:t>
             </a:fld>
             <a:endParaRPr lang="en-US"/>
           </a:p>
@@ -5808,7 +5808,7 @@
             </a:pPr>
             <a:fld id="{C4F1A8C9-83EA-4AE3-AA3E-54AE51959437}" type="datetime4">
               <a:rPr lang="en-US" smtClean="0"/>
-              <a:t>October 4, 2012</a:t>
+              <a:t>October 9, 2012</a:t>
             </a:fld>
             <a:endParaRPr lang="en-US"/>
           </a:p>
@@ -6163,7 +6163,7 @@
             </a:pPr>
             <a:fld id="{05FED699-BC16-4629-A79A-5C7F8415F244}" type="datetime4">
               <a:rPr lang="en-US" smtClean="0"/>
-              <a:t>October 4, 2012</a:t>
+              <a:t>October 9, 2012</a:t>
             </a:fld>
             <a:endParaRPr lang="en-US"/>
           </a:p>
@@ -7308,7 +7308,7 @@
           <p:nvPr>
             <p:extLst>
               <p:ext uri="{D42A27DB-BD31-4B8C-83A1-F6EECF244321}">
-                <p14:modId xmlns:p14="http://schemas.microsoft.com/office/powerpoint/2010/main" val="387596838"/>
+                <p14:modId xmlns:p14="http://schemas.microsoft.com/office/powerpoint/2010/main" val="3496949177"/>
               </p:ext>
             </p:extLst>
           </p:nvPr>
@@ -7353,7 +7353,7 @@
                         <a:defRPr/>
                       </a:pPr>
                       <a:r>
-                        <a:rPr lang="en-US" sz="1000" b="1" kern="1200" dirty="0" smtClean="0">
+                        <a:rPr lang="en-US" sz="1100" b="1" kern="1200" dirty="0" smtClean="0">
                           <a:solidFill>
                             <a:schemeClr val="dk1"/>
                           </a:solidFill>
@@ -7424,7 +7424,7 @@
                         <a:defRPr/>
                       </a:pPr>
                       <a:r>
-                        <a:rPr lang="en-US" sz="1000" b="0" kern="1200" dirty="0" smtClean="0">
+                        <a:rPr lang="en-US" sz="1100" b="0" kern="1200" dirty="0" smtClean="0">
                           <a:solidFill>
                             <a:schemeClr val="dk1"/>
                           </a:solidFill>
@@ -7434,7 +7434,7 @@
                         </a:rPr>
                         <a:t>@</a:t>
                       </a:r>
-                      <a:endParaRPr lang="en-US" sz="1000" b="0" kern="1200" dirty="0">
+                      <a:endParaRPr lang="en-US" sz="1100" b="0" kern="1200" dirty="0">
                         <a:solidFill>
                           <a:schemeClr val="dk1"/>
                         </a:solidFill>
@@ -7501,7 +7501,7 @@
                         <a:defRPr/>
                       </a:pPr>
                       <a:r>
-                        <a:rPr lang="en-US" sz="1000" b="1" kern="1200" baseline="0" dirty="0" smtClean="0">
+                        <a:rPr lang="en-US" sz="1100" b="1" kern="1200" baseline="0" dirty="0" smtClean="0">
                           <a:solidFill>
                             <a:schemeClr val="dk1"/>
                           </a:solidFill>
@@ -7511,7 +7511,7 @@
                         </a:rPr>
                         <a:t>Current Holdings:</a:t>
                       </a:r>
-                      <a:endParaRPr lang="en-US" sz="1000" b="1" kern="1200" baseline="0" dirty="0">
+                      <a:endParaRPr lang="en-US" sz="1100" b="1" kern="1200" baseline="0" dirty="0">
                         <a:solidFill>
                           <a:schemeClr val="dk1"/>
                         </a:solidFill>
@@ -7578,7 +7578,7 @@
                         <a:defRPr/>
                       </a:pPr>
                       <a:r>
-                        <a:rPr lang="en-US" sz="1000" b="0" kern="1200" baseline="0" smtClean="0">
+                        <a:rPr lang="en-US" sz="1100" b="0" kern="1200" baseline="0" smtClean="0">
                           <a:solidFill>
                             <a:schemeClr val="dk1"/>
                           </a:solidFill>
@@ -7588,7 +7588,7 @@
                         </a:rPr>
                         <a:t>@</a:t>
                       </a:r>
-                      <a:endParaRPr lang="en-US" sz="1000" b="0" kern="1200" baseline="0" dirty="0">
+                      <a:endParaRPr lang="en-US" sz="1100" b="0" kern="1200" baseline="0" dirty="0">
                         <a:solidFill>
                           <a:schemeClr val="dk1"/>
                         </a:solidFill>
@@ -7659,7 +7659,7 @@
                         <a:defRPr/>
                       </a:pPr>
                       <a:r>
-                        <a:rPr lang="en-US" sz="1000" b="1" kern="1200" dirty="0" smtClean="0">
+                        <a:rPr lang="en-US" sz="1100" b="1" kern="1200" dirty="0" smtClean="0">
                           <a:solidFill>
                             <a:schemeClr val="dk1"/>
                           </a:solidFill>
@@ -7669,7 +7669,7 @@
                         </a:rPr>
                         <a:t>Country:</a:t>
                       </a:r>
-                      <a:endParaRPr lang="en-US" sz="1000" b="1" kern="1200" dirty="0">
+                      <a:endParaRPr lang="en-US" sz="1100" b="1" kern="1200" dirty="0">
                         <a:solidFill>
                           <a:schemeClr val="dk1"/>
                         </a:solidFill>
@@ -7732,7 +7732,7 @@
                         <a:defRPr/>
                       </a:pPr>
                       <a:r>
-                        <a:rPr lang="en-US" sz="1000" b="0" kern="1200" dirty="0" smtClean="0">
+                        <a:rPr lang="en-US" sz="1100" b="0" kern="1200" dirty="0" smtClean="0">
                           <a:solidFill>
                             <a:schemeClr val="dk1"/>
                           </a:solidFill>
@@ -7742,7 +7742,7 @@
                         </a:rPr>
                         <a:t>@</a:t>
                       </a:r>
-                      <a:endParaRPr lang="en-US" sz="1000" b="0" kern="1200" dirty="0">
+                      <a:endParaRPr lang="en-US" sz="1100" b="0" kern="1200" dirty="0">
                         <a:solidFill>
                           <a:schemeClr val="dk1"/>
                         </a:solidFill>
@@ -7803,7 +7803,7 @@
                         <a:defRPr/>
                       </a:pPr>
                       <a:r>
-                        <a:rPr lang="en-US" sz="1000" b="1" kern="1200" baseline="0" dirty="0" smtClean="0">
+                        <a:rPr lang="en-US" sz="1100" b="1" kern="1200" baseline="0" dirty="0" smtClean="0">
                           <a:solidFill>
                             <a:schemeClr val="dk1"/>
                           </a:solidFill>
@@ -7813,7 +7813,7 @@
                         </a:rPr>
                         <a:t>% of NAV</a:t>
                       </a:r>
-                      <a:endParaRPr lang="en-US" sz="1000" b="1" kern="1200" baseline="0" dirty="0">
+                      <a:endParaRPr lang="en-US" sz="1100" b="1" kern="1200" baseline="0" dirty="0">
                         <a:solidFill>
                           <a:schemeClr val="dk1"/>
                         </a:solidFill>
@@ -7874,7 +7874,7 @@
                         <a:defRPr/>
                       </a:pPr>
                       <a:r>
-                        <a:rPr lang="en-US" sz="1000" b="0" kern="1200" baseline="0" smtClean="0">
+                        <a:rPr lang="en-US" sz="1100" b="0" kern="1200" baseline="0" smtClean="0">
                           <a:solidFill>
                             <a:schemeClr val="dk1"/>
                           </a:solidFill>
@@ -7884,7 +7884,7 @@
                         </a:rPr>
                         <a:t>@</a:t>
                       </a:r>
-                      <a:endParaRPr lang="en-US" sz="1000" b="0" kern="1200" baseline="0" dirty="0">
+                      <a:endParaRPr lang="en-US" sz="1100" b="0" kern="1200" baseline="0" dirty="0">
                         <a:solidFill>
                           <a:schemeClr val="dk1"/>
                         </a:solidFill>
@@ -7932,10 +7932,10 @@
                     <a:lstStyle/>
                     <a:p>
                       <a:r>
-                        <a:rPr lang="en-US" sz="1000" b="1" dirty="0" smtClean="0"/>
+                        <a:rPr lang="en-US" sz="1100" b="1" dirty="0" smtClean="0"/>
                         <a:t>Industry:</a:t>
                       </a:r>
-                      <a:endParaRPr lang="en-US" sz="1000" b="1" dirty="0"/>
+                      <a:endParaRPr lang="en-US" sz="1100" b="1" dirty="0"/>
                     </a:p>
                   </a:txBody>
                   <a:tcPr marL="91458" marR="91458" marT="45741" marB="45741">
@@ -7974,10 +7974,10 @@
                     <a:lstStyle/>
                     <a:p>
                       <a:r>
-                        <a:rPr lang="en-US" sz="1000" dirty="0" smtClean="0"/>
+                        <a:rPr lang="en-US" sz="1100" dirty="0" smtClean="0"/>
                         <a:t>@</a:t>
                       </a:r>
-                      <a:endParaRPr lang="en-US" sz="1000" dirty="0"/>
+                      <a:endParaRPr lang="en-US" sz="1100" dirty="0"/>
                     </a:p>
                   </a:txBody>
                   <a:tcPr marL="91458" marR="91458" marT="45741" marB="45741">
@@ -8014,10 +8014,10 @@
                     <a:lstStyle/>
                     <a:p>
                       <a:r>
-                        <a:rPr lang="en-US" sz="1000" b="1" baseline="0" dirty="0" smtClean="0"/>
+                        <a:rPr lang="en-US" sz="1100" b="1" baseline="0" dirty="0" smtClean="0"/>
                         <a:t>BM Weight:</a:t>
                       </a:r>
-                      <a:endParaRPr lang="en-US" sz="1000" b="1" dirty="0"/>
+                      <a:endParaRPr lang="en-US" sz="1100" b="1" dirty="0"/>
                     </a:p>
                   </a:txBody>
                   <a:tcPr marL="91458" marR="91458" marT="45741" marB="45741">
@@ -8071,10 +8071,10 @@
                         <a:defRPr/>
                       </a:pPr>
                       <a:r>
-                        <a:rPr lang="en-US" sz="1000" baseline="0" dirty="0" smtClean="0"/>
+                        <a:rPr lang="en-US" sz="1100" baseline="0" dirty="0" smtClean="0"/>
                         <a:t>@</a:t>
                       </a:r>
-                      <a:endParaRPr lang="en-US" sz="1000" dirty="0"/>
+                      <a:endParaRPr lang="en-US" sz="1100" dirty="0"/>
                     </a:p>
                   </a:txBody>
                   <a:tcPr marL="91458" marR="91458" marT="45741" marB="45741">
@@ -8132,7 +8132,7 @@
                         <a:defRPr/>
                       </a:pPr>
                       <a:r>
-                        <a:rPr lang="en-US" sz="1000" b="1" kern="1200" dirty="0" err="1" smtClean="0">
+                        <a:rPr lang="en-US" sz="1100" b="1" kern="1200" dirty="0" err="1" smtClean="0">
                           <a:solidFill>
                             <a:schemeClr val="dk1"/>
                           </a:solidFill>
@@ -8143,7 +8143,7 @@
                         <a:t>Mkt</a:t>
                       </a:r>
                       <a:r>
-                        <a:rPr lang="en-US" sz="1000" b="1" kern="1200" dirty="0" smtClean="0">
+                        <a:rPr lang="en-US" sz="1100" b="1" kern="1200" dirty="0" smtClean="0">
                           <a:solidFill>
                             <a:schemeClr val="dk1"/>
                           </a:solidFill>
@@ -8153,7 +8153,7 @@
                         </a:rPr>
                         <a:t> Cap:</a:t>
                       </a:r>
-                      <a:endParaRPr lang="en-US" sz="1000" b="1" kern="1200" dirty="0">
+                      <a:endParaRPr lang="en-US" sz="1100" b="1" kern="1200" dirty="0">
                         <a:solidFill>
                           <a:schemeClr val="dk1"/>
                         </a:solidFill>
@@ -8216,7 +8216,7 @@
                         <a:defRPr/>
                       </a:pPr>
                       <a:r>
-                        <a:rPr lang="en-US" sz="1000" kern="1200" dirty="0" smtClean="0">
+                        <a:rPr lang="en-US" sz="1100" kern="1200" dirty="0" smtClean="0">
                           <a:solidFill>
                             <a:schemeClr val="dk1"/>
                           </a:solidFill>
@@ -8226,7 +8226,7 @@
                         </a:rPr>
                         <a:t>@</a:t>
                       </a:r>
-                      <a:endParaRPr lang="en-US" sz="1000" kern="1200" dirty="0">
+                      <a:endParaRPr lang="en-US" sz="1100" kern="1200" dirty="0">
                         <a:solidFill>
                           <a:schemeClr val="dk1"/>
                         </a:solidFill>
@@ -8287,7 +8287,7 @@
                         <a:defRPr/>
                       </a:pPr>
                       <a:r>
-                        <a:rPr lang="en-US" sz="1000" b="1" kern="1200" baseline="0" dirty="0" smtClean="0">
+                        <a:rPr lang="en-US" sz="1100" b="1" kern="1200" baseline="0" dirty="0" smtClean="0">
                           <a:solidFill>
                             <a:schemeClr val="dk1"/>
                           </a:solidFill>
@@ -8297,7 +8297,7 @@
                         </a:rPr>
                         <a:t>Active Weight: </a:t>
                       </a:r>
-                      <a:endParaRPr lang="en-US" sz="1000" b="1" kern="1200" baseline="0" dirty="0">
+                      <a:endParaRPr lang="en-US" sz="1100" b="1" kern="1200" baseline="0" dirty="0">
                         <a:solidFill>
                           <a:schemeClr val="dk1"/>
                         </a:solidFill>
@@ -8358,7 +8358,7 @@
                         <a:defRPr/>
                       </a:pPr>
                       <a:r>
-                        <a:rPr lang="en-US" sz="1000" kern="1200" baseline="0" dirty="0" smtClean="0">
+                        <a:rPr lang="en-US" sz="1100" kern="1200" baseline="0" dirty="0" smtClean="0">
                           <a:solidFill>
                             <a:schemeClr val="dk1"/>
                           </a:solidFill>
@@ -8368,7 +8368,7 @@
                         </a:rPr>
                         <a:t>@</a:t>
                       </a:r>
-                      <a:endParaRPr lang="en-US" sz="1000" kern="1200" baseline="0" dirty="0">
+                      <a:endParaRPr lang="en-US" sz="1100" kern="1200" baseline="0" dirty="0">
                         <a:solidFill>
                           <a:schemeClr val="dk1"/>
                         </a:solidFill>
@@ -8433,7 +8433,7 @@
                         <a:defRPr/>
                       </a:pPr>
                       <a:r>
-                        <a:rPr lang="en-US" sz="1000" b="1" kern="1200" dirty="0" smtClean="0">
+                        <a:rPr lang="en-US" sz="1100" b="1" kern="1200" dirty="0" smtClean="0">
                           <a:solidFill>
                             <a:schemeClr val="dk1"/>
                           </a:solidFill>
@@ -8443,7 +8443,7 @@
                         </a:rPr>
                         <a:t>Price:</a:t>
                       </a:r>
-                      <a:endParaRPr lang="en-US" sz="1000" b="1" kern="1200" dirty="0">
+                      <a:endParaRPr lang="en-US" sz="1100" b="1" kern="1200" dirty="0">
                         <a:solidFill>
                           <a:schemeClr val="dk1"/>
                         </a:solidFill>
@@ -8506,7 +8506,7 @@
                         <a:defRPr/>
                       </a:pPr>
                       <a:r>
-                        <a:rPr lang="en-US" sz="1000" kern="1200" dirty="0" smtClean="0">
+                        <a:rPr lang="en-US" sz="1100" kern="1200" dirty="0" smtClean="0">
                           <a:solidFill>
                             <a:schemeClr val="dk1"/>
                           </a:solidFill>
@@ -8516,7 +8516,7 @@
                         </a:rPr>
                         <a:t>@</a:t>
                       </a:r>
-                      <a:endParaRPr lang="en-US" sz="1000" kern="1200" dirty="0">
+                      <a:endParaRPr lang="en-US" sz="1100" kern="1200" dirty="0">
                         <a:solidFill>
                           <a:schemeClr val="dk1"/>
                         </a:solidFill>
@@ -8560,22 +8560,22 @@
                     <a:lstStyle/>
                     <a:p>
                       <a:r>
-                        <a:rPr lang="en-US" sz="1000" b="1" dirty="0" smtClean="0"/>
+                        <a:rPr lang="en-US" sz="1100" b="1" dirty="0" smtClean="0"/>
                         <a:t>12m</a:t>
                       </a:r>
                       <a:r>
-                        <a:rPr lang="en-US" sz="1000" b="1" baseline="0" dirty="0" smtClean="0"/>
+                        <a:rPr lang="en-US" sz="1100" b="1" baseline="0" dirty="0" smtClean="0"/>
                         <a:t> Ret - </a:t>
                       </a:r>
                       <a:r>
-                        <a:rPr lang="en-US" sz="1000" b="1" dirty="0" smtClean="0"/>
+                        <a:rPr lang="en-US" sz="1100" b="1" dirty="0" smtClean="0"/>
                         <a:t>Absolute:</a:t>
                       </a:r>
                       <a:r>
-                        <a:rPr lang="en-US" sz="1000" b="1" baseline="0" dirty="0" smtClean="0"/>
+                        <a:rPr lang="en-US" sz="1100" b="1" baseline="0" dirty="0" smtClean="0"/>
                         <a:t> </a:t>
                       </a:r>
-                      <a:endParaRPr lang="en-US" sz="1000" b="1" dirty="0"/>
+                      <a:endParaRPr lang="en-US" sz="1100" b="1" dirty="0"/>
                     </a:p>
                   </a:txBody>
                   <a:tcPr marL="91458" marR="91458" marT="45741" marB="45741">
@@ -8612,10 +8612,10 @@
                     <a:lstStyle/>
                     <a:p>
                       <a:r>
-                        <a:rPr lang="en-US" sz="1000" dirty="0" smtClean="0"/>
+                        <a:rPr lang="en-US" sz="1100" dirty="0" smtClean="0"/>
                         <a:t>@</a:t>
                       </a:r>
-                      <a:endParaRPr lang="en-US" sz="1000" dirty="0"/>
+                      <a:endParaRPr lang="en-US" sz="1100" dirty="0"/>
                     </a:p>
                   </a:txBody>
                   <a:tcPr marL="91458" marR="91458" marT="45741" marB="45741">
@@ -8656,18 +8656,18 @@
                     <a:lstStyle/>
                     <a:p>
                       <a:r>
-                        <a:rPr lang="en-US" sz="1000" b="1" dirty="0" smtClean="0"/>
+                        <a:rPr lang="en-US" sz="1100" b="1" dirty="0" smtClean="0"/>
                         <a:t>FV </a:t>
                       </a:r>
                       <a:r>
-                        <a:rPr lang="en-US" sz="1000" b="1" dirty="0" err="1" smtClean="0"/>
+                        <a:rPr lang="en-US" sz="1100" b="1" dirty="0" err="1" smtClean="0"/>
                         <a:t>Calc</a:t>
                       </a:r>
                       <a:r>
-                        <a:rPr lang="en-US" sz="1000" b="1" dirty="0" smtClean="0"/>
+                        <a:rPr lang="en-US" sz="1100" b="1" dirty="0" smtClean="0"/>
                         <a:t>:</a:t>
                       </a:r>
-                      <a:endParaRPr lang="en-US" sz="1000" b="1" dirty="0"/>
+                      <a:endParaRPr lang="en-US" sz="1100" b="1" dirty="0"/>
                     </a:p>
                   </a:txBody>
                   <a:tcPr marL="91458" marR="91458" marT="45741" marB="45741">
@@ -8727,10 +8727,10 @@
                         <a:defRPr/>
                       </a:pPr>
                       <a:r>
-                        <a:rPr lang="en-US" sz="1000" dirty="0" smtClean="0"/>
+                        <a:rPr lang="en-US" sz="1100" dirty="0" smtClean="0"/>
                         <a:t>@</a:t>
                       </a:r>
-                      <a:endParaRPr lang="en-US" sz="1000" dirty="0"/>
+                      <a:endParaRPr lang="en-US" sz="1100" dirty="0"/>
                     </a:p>
                   </a:txBody>
                   <a:tcPr marL="91458" marR="91458" marT="45741" marB="45741">
@@ -8771,30 +8771,30 @@
                     <a:lstStyle/>
                     <a:p>
                       <a:r>
-                        <a:rPr lang="en-US" sz="1000" b="1" dirty="0" smtClean="0"/>
+                        <a:rPr lang="en-US" sz="1100" b="1" dirty="0" smtClean="0"/>
                         <a:t>12</a:t>
                       </a:r>
                       <a:r>
-                        <a:rPr lang="en-US" sz="1000" b="1" baseline="0" dirty="0" smtClean="0"/>
+                        <a:rPr lang="en-US" sz="1100" b="1" baseline="0" dirty="0" smtClean="0"/>
                         <a:t>m Ret - </a:t>
                       </a:r>
                       <a:r>
-                        <a:rPr lang="en-US" sz="1000" b="1" dirty="0" err="1" smtClean="0"/>
+                        <a:rPr lang="en-US" sz="1100" b="1" dirty="0" err="1" smtClean="0"/>
                         <a:t>Rel</a:t>
                       </a:r>
                       <a:r>
-                        <a:rPr lang="en-US" sz="1000" b="1" baseline="0" dirty="0" smtClean="0"/>
+                        <a:rPr lang="en-US" sz="1100" b="1" baseline="0" dirty="0" smtClean="0"/>
                         <a:t> to </a:t>
                       </a:r>
                       <a:r>
-                        <a:rPr lang="en-US" sz="1000" b="1" baseline="0" dirty="0" err="1" smtClean="0"/>
+                        <a:rPr lang="en-US" sz="1100" b="1" baseline="0" dirty="0" err="1" smtClean="0"/>
                         <a:t>loc</a:t>
                       </a:r>
                       <a:r>
-                        <a:rPr lang="en-US" sz="1000" b="1" baseline="0" dirty="0" smtClean="0"/>
+                        <a:rPr lang="en-US" sz="1100" b="1" baseline="0" dirty="0" smtClean="0"/>
                         <a:t>:</a:t>
                       </a:r>
-                      <a:endParaRPr lang="en-US" sz="1000" b="1" dirty="0"/>
+                      <a:endParaRPr lang="en-US" sz="1100" b="1" dirty="0"/>
                     </a:p>
                   </a:txBody>
                   <a:tcPr marL="91458" marR="91458" marT="45741" marB="45741">
@@ -8835,10 +8835,10 @@
                     <a:lstStyle/>
                     <a:p>
                       <a:r>
-                        <a:rPr lang="en-US" sz="1000" dirty="0" smtClean="0"/>
+                        <a:rPr lang="en-US" sz="1100" dirty="0" smtClean="0"/>
                         <a:t>@</a:t>
                       </a:r>
-                      <a:endParaRPr lang="en-US" sz="1000" dirty="0"/>
+                      <a:endParaRPr lang="en-US" sz="1100" dirty="0"/>
                     </a:p>
                   </a:txBody>
                   <a:tcPr marL="91458" marR="91458" marT="45741" marB="45741">
@@ -8883,30 +8883,14 @@
                     <a:lstStyle/>
                     <a:p>
                       <a:r>
-                        <a:rPr lang="en-US" sz="1000" b="1" dirty="0" smtClean="0"/>
+                        <a:rPr lang="en-US" sz="1100" b="1" smtClean="0"/>
                         <a:t>Buy/</a:t>
                       </a:r>
                       <a:r>
-                        <a:rPr lang="en-US" sz="1000" b="1" baseline="0" dirty="0" smtClean="0"/>
-                        <a:t>Sell </a:t>
+                        <a:rPr lang="en-US" sz="1100" b="1" baseline="0" smtClean="0"/>
+                        <a:t>Sell Range:</a:t>
                       </a:r>
-                      <a:r>
-                        <a:rPr lang="en-US" sz="1000" b="1" baseline="0" dirty="0" err="1" smtClean="0"/>
-                        <a:t>vs</a:t>
-                      </a:r>
-                      <a:r>
-                        <a:rPr lang="en-US" sz="1000" b="1" baseline="0" dirty="0" smtClean="0"/>
-                        <a:t> </a:t>
-                      </a:r>
-                      <a:r>
-                        <a:rPr lang="en-US" sz="1000" b="1" baseline="0" dirty="0" err="1" smtClean="0"/>
-                        <a:t>Crnt</a:t>
-                      </a:r>
-                      <a:r>
-                        <a:rPr lang="en-US" sz="1000" b="1" baseline="0" dirty="0" smtClean="0"/>
-                        <a:t>:</a:t>
-                      </a:r>
-                      <a:endParaRPr lang="en-US" sz="1000" b="1" dirty="0"/>
+                      <a:endParaRPr lang="en-US" sz="1100" b="1" dirty="0"/>
                     </a:p>
                   </a:txBody>
                   <a:tcPr marL="91458" marR="91458" marT="45741" marB="45741">
@@ -8968,10 +8952,10 @@
                         <a:defRPr/>
                       </a:pPr>
                       <a:r>
-                        <a:rPr lang="en-US" sz="1000" dirty="0" smtClean="0"/>
+                        <a:rPr lang="en-US" sz="1100" dirty="0" smtClean="0"/>
                         <a:t>@</a:t>
                       </a:r>
-                      <a:endParaRPr lang="en-US" sz="1000" dirty="0"/>
+                      <a:endParaRPr lang="en-US" sz="1100" dirty="0"/>
                     </a:p>
                   </a:txBody>
                   <a:tcPr marL="91458" marR="91458" marT="45741" marB="45741">
@@ -9014,18 +8998,18 @@
                     <a:lstStyle/>
                     <a:p>
                       <a:r>
-                        <a:rPr lang="en-US" sz="1000" b="1" baseline="0" dirty="0" smtClean="0"/>
+                        <a:rPr lang="en-US" sz="1100" b="1" baseline="0" dirty="0" smtClean="0"/>
                         <a:t>12m Ret - </a:t>
                       </a:r>
                       <a:r>
-                        <a:rPr lang="en-US" sz="1000" b="1" baseline="0" dirty="0" err="1" smtClean="0"/>
+                        <a:rPr lang="en-US" sz="1100" b="1" baseline="0" dirty="0" err="1" smtClean="0"/>
                         <a:t>Rel</a:t>
                       </a:r>
                       <a:r>
-                        <a:rPr lang="en-US" sz="1000" b="1" baseline="0" dirty="0" smtClean="0"/>
+                        <a:rPr lang="en-US" sz="1100" b="1" baseline="0" dirty="0" smtClean="0"/>
                         <a:t> to EM: </a:t>
                       </a:r>
-                      <a:endParaRPr lang="en-US" sz="1000" b="1" dirty="0"/>
+                      <a:endParaRPr lang="en-US" sz="1100" b="1" dirty="0"/>
                     </a:p>
                   </a:txBody>
                   <a:tcPr marL="91458" marR="91458" marT="45741" marB="45741">
@@ -9068,10 +9052,10 @@
                     <a:lstStyle/>
                     <a:p>
                       <a:r>
-                        <a:rPr lang="en-US" sz="1000" dirty="0" smtClean="0"/>
+                        <a:rPr lang="en-US" sz="1100" dirty="0" smtClean="0"/>
                         <a:t>@</a:t>
                       </a:r>
-                      <a:endParaRPr lang="en-US" sz="1000" dirty="0"/>
+                      <a:endParaRPr lang="en-US" sz="1100" dirty="0"/>
                     </a:p>
                   </a:txBody>
                   <a:tcPr marL="91458" marR="91458" marT="45741" marB="45741">
@@ -9361,7 +9345,7 @@
             </a:pPr>
             <a:fld id="{B9F65A27-B0FB-41A7-9B79-039B634A0561}" type="datetime4">
               <a:rPr lang="en-US" smtClean="0"/>
-              <a:t>October 4, 2012</a:t>
+              <a:t>October 9, 2012</a:t>
             </a:fld>
             <a:endParaRPr lang="en-US"/>
           </a:p>
@@ -9447,33 +9431,41 @@
           <a:lstStyle/>
           <a:p>
             <a:r>
-              <a:rPr lang="en-US" smtClean="0"/>
+              <a:rPr lang="en-US" dirty="0" smtClean="0"/>
               <a:t>Highlight  key reasons why we want to own this stock. </a:t>
             </a:r>
             <a:r>
-              <a:rPr lang="en-US" b="1" smtClean="0"/>
+              <a:rPr lang="en-US" b="1" dirty="0" smtClean="0"/>
               <a:t>Readers should be able to come to a conclusion based on this slide alone. </a:t>
             </a:r>
             <a:r>
-              <a:rPr lang="en-US" smtClean="0"/>
+              <a:rPr lang="en-US" dirty="0" smtClean="0"/>
               <a:t>We need to be clear and concise – this is not easily done!</a:t>
             </a:r>
           </a:p>
           <a:p>
             <a:r>
-              <a:rPr lang="en-US" smtClean="0"/>
-              <a:t>Limit this slide to 4 bullet points. </a:t>
-            </a:r>
-          </a:p>
-          <a:p>
-            <a:endParaRPr lang="en-US" smtClean="0"/>
+              <a:rPr lang="en-US" dirty="0" smtClean="0"/>
+              <a:t>Limit this slide </a:t>
+            </a:r>
+            <a:r>
+              <a:rPr lang="en-US" dirty="0" smtClean="0"/>
+              <a:t>to 5 </a:t>
+            </a:r>
+            <a:r>
+              <a:rPr lang="en-US" dirty="0" smtClean="0"/>
+              <a:t>bullet points. </a:t>
+            </a:r>
+          </a:p>
+          <a:p>
+            <a:endParaRPr lang="en-US" dirty="0" smtClean="0"/>
           </a:p>
           <a:p>
             <a:pPr lvl="1"/>
-            <a:endParaRPr lang="en-US" smtClean="0"/>
-          </a:p>
-          <a:p>
-            <a:endParaRPr lang="en-US" smtClean="0"/>
+            <a:endParaRPr lang="en-US" dirty="0" smtClean="0"/>
+          </a:p>
+          <a:p>
+            <a:endParaRPr lang="en-US" dirty="0" smtClean="0"/>
           </a:p>
         </p:txBody>
       </p:sp>
@@ -9622,7 +9614,7 @@
               </a:spcAft>
             </a:pPr>
             <a:r>
-              <a:rPr lang="en-US" sz="1600"/>
+              <a:rPr lang="en-US" sz="1600" dirty="0"/>
               <a:t>Risks to Investment Thesis – What could go wrong?</a:t>
             </a:r>
           </a:p>
@@ -9636,9 +9628,22 @@
               </a:spcAft>
             </a:pPr>
             <a:r>
-              <a:rPr lang="en-US" sz="1400" i="1"/>
-              <a:t>- Highlight the key risk our investment thesis: ie Cost improvements may not materialize</a:t>
-            </a:r>
+              <a:rPr lang="en-US" sz="1400" i="1" dirty="0"/>
+              <a:t>- Highlight the key risk our investment thesis: </a:t>
+            </a:r>
+            <a:r>
+              <a:rPr lang="en-US" sz="1400" i="1" dirty="0" err="1"/>
+              <a:t>ie</a:t>
+            </a:r>
+            <a:r>
+              <a:rPr lang="en-US" sz="1400" i="1" dirty="0"/>
+              <a:t> Cost improvements may not </a:t>
+            </a:r>
+            <a:r>
+              <a:rPr lang="en-US" sz="1400" i="1" dirty="0" smtClean="0"/>
+              <a:t>materialize (Limit to 4 bullet points)</a:t>
+            </a:r>
+            <a:endParaRPr lang="en-US" sz="1400" i="1" dirty="0"/>
           </a:p>
         </p:txBody>
       </p:sp>
@@ -9805,7 +9810,7 @@
             </a:pPr>
             <a:fld id="{AED26F29-33DF-4B6C-899D-2A3C193178A7}" type="datetime4">
               <a:rPr lang="en-US" smtClean="0"/>
-              <a:t>October 4, 2012</a:t>
+              <a:t>October 9, 2012</a:t>
             </a:fld>
             <a:endParaRPr lang="en-US"/>
           </a:p>
@@ -9863,7 +9868,23 @@
             </a:pPr>
             <a:r>
               <a:rPr lang="en-US" dirty="0" smtClean="0"/>
-              <a:t>HIGHTLIGHT KEY ASSUMPTIONS (5-7) BULLET POINTS. CONSIDER….</a:t>
+              <a:t>HIGHTLIGHT KEY ASSUMPTIONS </a:t>
+            </a:r>
+            <a:r>
+              <a:rPr lang="en-US" dirty="0" smtClean="0"/>
+              <a:t>(LIMIT TO 5 </a:t>
+            </a:r>
+            <a:r>
+              <a:rPr lang="en-US" dirty="0" smtClean="0"/>
+              <a:t>BULLET </a:t>
+            </a:r>
+            <a:r>
+              <a:rPr lang="en-US" dirty="0" smtClean="0"/>
+              <a:t>POINTS). </a:t>
+            </a:r>
+            <a:r>
+              <a:rPr lang="en-US" dirty="0" smtClean="0"/>
+              <a:t>CONSIDER….</a:t>
             </a:r>
           </a:p>
           <a:p>
@@ -10181,7 +10202,7 @@
             </a:pPr>
             <a:fld id="{18538A7C-955F-4A58-A6A9-F847CAE036DD}" type="datetime4">
               <a:rPr lang="en-US" smtClean="0"/>
-              <a:t>October 4, 2012</a:t>
+              <a:t>October 9, 2012</a:t>
             </a:fld>
             <a:endParaRPr lang="en-US"/>
           </a:p>
@@ -10404,7 +10425,7 @@
             </a:pPr>
             <a:fld id="{E9546744-ACC5-4F83-BAFA-157B97354CD4}" type="datetime4">
               <a:rPr lang="en-US" smtClean="0"/>
-              <a:t>October 4, 2012</a:t>
+              <a:t>October 9, 2012</a:t>
             </a:fld>
             <a:endParaRPr lang="en-US"/>
           </a:p>
@@ -10444,24 +10465,33 @@
           <a:lstStyle/>
           <a:p>
             <a:r>
-              <a:rPr lang="en-US" smtClean="0"/>
-              <a:t>Comment on comparables</a:t>
-            </a:r>
-          </a:p>
-          <a:p>
-            <a:r>
-              <a:rPr lang="en-US" smtClean="0"/>
+              <a:rPr lang="en-US" dirty="0" smtClean="0"/>
+              <a:t>Comment on </a:t>
+            </a:r>
+            <a:r>
+              <a:rPr lang="en-US" dirty="0" err="1" smtClean="0"/>
+              <a:t>comparables</a:t>
+            </a:r>
+            <a:r>
+              <a:rPr lang="en-US" dirty="0" smtClean="0"/>
+              <a:t> (Limit this section to 3 Bullet points)</a:t>
+            </a:r>
+            <a:endParaRPr lang="en-US" dirty="0" smtClean="0"/>
+          </a:p>
+          <a:p>
+            <a:r>
+              <a:rPr lang="en-US" dirty="0" smtClean="0"/>
               <a:t>Comment on DCF valuation</a:t>
             </a:r>
           </a:p>
           <a:p>
             <a:r>
-              <a:rPr lang="en-US" smtClean="0"/>
+              <a:rPr lang="en-US" dirty="0" smtClean="0"/>
               <a:t>Comment on your fair value </a:t>
             </a:r>
           </a:p>
           <a:p>
-            <a:endParaRPr lang="en-US" smtClean="0"/>
+            <a:endParaRPr lang="en-US" dirty="0" smtClean="0"/>
           </a:p>
         </p:txBody>
       </p:sp>
@@ -10620,9 +10650,18 @@
               <a:buChar char="n"/>
             </a:pPr>
             <a:r>
-              <a:rPr lang="en-US" sz="1600" b="0"/>
-              <a:t>What is the growth outlook for the company. </a:t>
-            </a:r>
+              <a:rPr lang="en-US" sz="1600" b="0" dirty="0"/>
+              <a:t>What is the growth outlook for the company</a:t>
+            </a:r>
+            <a:r>
+              <a:rPr lang="en-US" sz="1600" b="0" dirty="0" smtClean="0"/>
+              <a:t>.</a:t>
+            </a:r>
+            <a:r>
+              <a:rPr lang="en-IN" sz="1600" b="0" dirty="0"/>
+              <a:t> (Limit this section to 3 Bullet points)</a:t>
+            </a:r>
+            <a:endParaRPr lang="en-US" sz="1600" b="0" dirty="0"/>
           </a:p>
           <a:p>
             <a:pPr algn="l">
@@ -10639,7 +10678,7 @@
               <a:buChar char="n"/>
             </a:pPr>
             <a:r>
-              <a:rPr lang="en-US" sz="1600" b="0"/>
+              <a:rPr lang="en-US" sz="1600" b="0" dirty="0"/>
               <a:t>How sustainable / risky are the growth prospects. </a:t>
             </a:r>
           </a:p>
@@ -10658,7 +10697,7 @@
               <a:buChar char="n"/>
             </a:pPr>
             <a:r>
-              <a:rPr lang="en-US" sz="1600" b="0"/>
+              <a:rPr lang="en-US" sz="1600" b="0" dirty="0"/>
               <a:t>Is the growth being mispriced by the market?</a:t>
             </a:r>
           </a:p>
@@ -10676,7 +10715,7 @@
               <a:buFont typeface="Wingdings" pitchFamily="2" charset="2"/>
               <a:buChar char="n"/>
             </a:pPr>
-            <a:endParaRPr lang="en-US" sz="1600" b="0"/>
+            <a:endParaRPr lang="en-US" sz="1600" b="0" dirty="0"/>
           </a:p>
           <a:p>
             <a:pPr algn="l">
@@ -10692,7 +10731,7 @@
               <a:buFont typeface="Wingdings" pitchFamily="2" charset="2"/>
               <a:buChar char="n"/>
             </a:pPr>
-            <a:endParaRPr lang="en-US" sz="1600" b="0"/>
+            <a:endParaRPr lang="en-US" sz="1600" b="0" dirty="0"/>
           </a:p>
         </p:txBody>
       </p:sp>
@@ -10851,19 +10890,28 @@
               <a:buChar char="n"/>
             </a:pPr>
             <a:r>
-              <a:rPr lang="en-US" sz="1600" b="0"/>
+              <a:rPr lang="en-US" sz="1600" b="0" dirty="0"/>
               <a:t>Is this a high quality company? Why?  </a:t>
             </a:r>
             <a:r>
-              <a:rPr lang="en-US" sz="1600" b="0">
+              <a:rPr lang="en-US" sz="1600" b="0" dirty="0">
                 <a:sym typeface="Wingdings" pitchFamily="2" charset="2"/>
               </a:rPr>
               <a:t> </a:t>
             </a:r>
             <a:r>
-              <a:rPr lang="en-US" sz="1600" b="0"/>
-              <a:t>ROE/Leverage/Sustainable competitive advantage/ Other</a:t>
-            </a:r>
+              <a:rPr lang="en-US" sz="1600" b="0" dirty="0"/>
+              <a:t>ROE/Leverage/Sustainable competitive advantage/ </a:t>
+            </a:r>
+            <a:r>
+              <a:rPr lang="en-US" sz="1600" b="0" dirty="0" smtClean="0"/>
+              <a:t>Other. </a:t>
+            </a:r>
+            <a:r>
+              <a:rPr lang="en-IN" sz="1600" b="0" dirty="0"/>
+              <a:t>(Limit this section to 3 Bullet points)</a:t>
+            </a:r>
+            <a:endParaRPr lang="en-US" sz="1600" b="0" dirty="0"/>
           </a:p>
           <a:p>
             <a:pPr algn="l">
@@ -10879,7 +10927,7 @@
               <a:buFont typeface="Wingdings" pitchFamily="2" charset="2"/>
               <a:buChar char="n"/>
             </a:pPr>
-            <a:endParaRPr lang="en-US" sz="1600" b="0"/>
+            <a:endParaRPr lang="en-US" sz="1600" b="0" dirty="0"/>
           </a:p>
         </p:txBody>
       </p:sp>
@@ -11517,8 +11565,40 @@
                 <a:buChar char="n"/>
               </a:pPr>
               <a:r>
-                <a:rPr lang="en-US" sz="1400" b="0"/>
-                <a:t>MARKET / ENVIRONMENTAL ADVANTAGES</a:t>
+                <a:rPr lang="en-US" sz="1400" b="0" dirty="0"/>
+                <a:t>MARKET / ENVIRONMENTAL </a:t>
+              </a:r>
+              <a:r>
+                <a:rPr lang="en-US" sz="1400" b="0" dirty="0" smtClean="0"/>
+                <a:t>ADVANTAGES</a:t>
+              </a:r>
+              <a:r>
+                <a:rPr lang="en-IN" sz="1400" b="0" dirty="0"/>
+                <a:t> (Limit this section to 4 Bullet points)</a:t>
+              </a:r>
+              <a:endParaRPr lang="en-US" sz="1400" b="0" dirty="0"/>
+            </a:p>
+            <a:p>
+              <a:pPr algn="l">
+                <a:spcBef>
+                  <a:spcPct val="50000"/>
+                </a:spcBef>
+                <a:spcAft>
+                  <a:spcPct val="0"/>
+                </a:spcAft>
+                <a:buClr>
+                  <a:srgbClr val="000099"/>
+                </a:buClr>
+                <a:buFont typeface="Wingdings" pitchFamily="2" charset="2"/>
+                <a:buChar char="n"/>
+              </a:pPr>
+              <a:r>
+                <a:rPr lang="en-US" sz="1400" b="0" dirty="0" err="1"/>
+                <a:t>Ie</a:t>
+              </a:r>
+              <a:r>
+                <a:rPr lang="en-US" sz="1400" b="0" dirty="0"/>
+                <a:t> growing industry, favorable government support</a:t>
               </a:r>
             </a:p>
             <a:p>
@@ -11535,26 +11615,7 @@
                 <a:buFont typeface="Wingdings" pitchFamily="2" charset="2"/>
                 <a:buChar char="n"/>
               </a:pPr>
-              <a:r>
-                <a:rPr lang="en-US" sz="1400" b="0"/>
-                <a:t>Ie growing industry, favorable government support</a:t>
-              </a:r>
-            </a:p>
-            <a:p>
-              <a:pPr algn="l">
-                <a:spcBef>
-                  <a:spcPct val="50000"/>
-                </a:spcBef>
-                <a:spcAft>
-                  <a:spcPct val="0"/>
-                </a:spcAft>
-                <a:buClr>
-                  <a:srgbClr val="000099"/>
-                </a:buClr>
-                <a:buFont typeface="Wingdings" pitchFamily="2" charset="2"/>
-                <a:buChar char="n"/>
-              </a:pPr>
-              <a:endParaRPr lang="en-US" sz="1400" b="0"/>
+              <a:endParaRPr lang="en-US" sz="1400" b="0" dirty="0"/>
             </a:p>
           </p:txBody>
         </p:sp>
@@ -11715,8 +11776,25 @@
               </a:pPr>
               <a:r>
                 <a:rPr lang="en-US" sz="1400" b="0" dirty="0" smtClean="0"/>
-                <a:t>COMPANY SPECIFIC ADVANTAGES</a:t>
+                <a:t>COMPANY SPECIFIC </a:t>
               </a:r>
+              <a:r>
+                <a:rPr lang="en-US" sz="1400" b="0" dirty="0" smtClean="0"/>
+                <a:t>ADVANTAGES</a:t>
+              </a:r>
+              <a:r>
+                <a:rPr lang="en-IN" sz="1400" b="0" dirty="0"/>
+                <a:t> (Limit this section to </a:t>
+              </a:r>
+              <a:r>
+                <a:rPr lang="en-IN" sz="1400" b="0" dirty="0" smtClean="0"/>
+                <a:t>4 </a:t>
+              </a:r>
+              <a:r>
+                <a:rPr lang="en-IN" sz="1400" b="0" dirty="0"/>
+                <a:t>Bullet points)</a:t>
+              </a:r>
+              <a:endParaRPr lang="en-US" sz="1400" b="0" dirty="0" smtClean="0"/>
             </a:p>
             <a:p>
               <a:pPr algn="l">
@@ -11914,9 +11992,18 @@
                 <a:buChar char="n"/>
               </a:pPr>
               <a:r>
-                <a:rPr lang="en-US" sz="1400" b="0"/>
-                <a:t>COMPANY SPECIFIC DISADVANTAGES</a:t>
+                <a:rPr lang="en-US" sz="1400" b="0" dirty="0"/>
+                <a:t>COMPANY SPECIFIC </a:t>
               </a:r>
+              <a:r>
+                <a:rPr lang="en-US" sz="1400" b="0" dirty="0" smtClean="0"/>
+                <a:t>DISADVANTAGES</a:t>
+              </a:r>
+              <a:r>
+                <a:rPr lang="en-IN" sz="1400" b="0" dirty="0"/>
+                <a:t> (Limit this section to 4 Bullet points)</a:t>
+              </a:r>
+              <a:endParaRPr lang="en-US" sz="1400" b="0" dirty="0"/>
             </a:p>
             <a:p>
               <a:pPr algn="l">
@@ -11933,8 +12020,12 @@
                 <a:buChar char="n"/>
               </a:pPr>
               <a:r>
-                <a:rPr lang="en-US" sz="1400" b="0"/>
-                <a:t>Ie high leverage, rising input costs</a:t>
+                <a:rPr lang="en-US" sz="1400" b="0" dirty="0" err="1"/>
+                <a:t>Ie</a:t>
+              </a:r>
+              <a:r>
+                <a:rPr lang="en-US" sz="1400" b="0" dirty="0"/>
+                <a:t> high leverage, rising input costs</a:t>
               </a:r>
             </a:p>
           </p:txBody>
@@ -12094,9 +12185,18 @@
                 <a:buChar char="n"/>
               </a:pPr>
               <a:r>
-                <a:rPr lang="en-US" sz="1400" b="0"/>
-                <a:t>MARKET / ENVIRONMENT DISADVANTAGES</a:t>
+                <a:rPr lang="en-US" sz="1400" b="0" dirty="0"/>
+                <a:t>MARKET / ENVIRONMENT </a:t>
               </a:r>
+              <a:r>
+                <a:rPr lang="en-US" sz="1400" b="0" dirty="0" smtClean="0"/>
+                <a:t>DISADVANTAGES</a:t>
+              </a:r>
+              <a:r>
+                <a:rPr lang="en-IN" sz="1400" b="0" dirty="0"/>
+                <a:t> (Limit this section to 4 Bullet points)</a:t>
+              </a:r>
+              <a:endParaRPr lang="en-US" sz="1400" b="0" dirty="0"/>
             </a:p>
             <a:p>
               <a:pPr algn="l">
@@ -12113,7 +12213,7 @@
                 <a:buChar char="n"/>
               </a:pPr>
               <a:r>
-                <a:rPr lang="en-US" sz="1400" b="0"/>
+                <a:rPr lang="en-US" sz="1400" b="0" dirty="0"/>
                 <a:t>Increasing competition, changing regulatory environment</a:t>
               </a:r>
             </a:p>
@@ -12305,7 +12405,7 @@
             </a:pPr>
             <a:fld id="{BB47A19F-401F-4F92-86F0-35076FCF8C9C}" type="datetime4">
               <a:rPr lang="en-US" smtClean="0"/>
-              <a:t>October 4, 2012</a:t>
+              <a:t>October 9, 2012</a:t>
             </a:fld>
             <a:endParaRPr lang="en-US"/>
           </a:p>
